--- a/高精度ミリ波レーダを用いた.pptx
+++ b/高精度ミリ波レーダを用いた.pptx
@@ -5,15 +5,16 @@
     <p:sldMasterId id="2147483776" r:id="rId1"/>
   </p:sldMasterIdLst>
   <p:notesMasterIdLst>
-    <p:notesMasterId r:id="rId8"/>
+    <p:notesMasterId r:id="rId9"/>
   </p:notesMasterIdLst>
   <p:sldIdLst>
     <p:sldId id="256" r:id="rId2"/>
     <p:sldId id="257" r:id="rId3"/>
-    <p:sldId id="258" r:id="rId4"/>
-    <p:sldId id="263" r:id="rId5"/>
-    <p:sldId id="262" r:id="rId6"/>
-    <p:sldId id="260" r:id="rId7"/>
+    <p:sldId id="264" r:id="rId4"/>
+    <p:sldId id="258" r:id="rId5"/>
+    <p:sldId id="263" r:id="rId6"/>
+    <p:sldId id="262" r:id="rId7"/>
+    <p:sldId id="260" r:id="rId8"/>
   </p:sldIdLst>
   <p:sldSz cx="12192000" cy="6858000"/>
   <p:notesSz cx="6735763" cy="9866313"/>
@@ -730,6 +731,158 @@
     <p:extLst>
       <p:ext uri="{BB962C8B-B14F-4D97-AF65-F5344CB8AC3E}">
         <p14:creationId xmlns:p14="http://schemas.microsoft.com/office/powerpoint/2010/main" val="1620945603"/>
+      </p:ext>
+    </p:extLst>
+  </p:cSld>
+  <p:clrMapOvr>
+    <a:masterClrMapping/>
+  </p:clrMapOvr>
+</p:notes>
+</file>
+
+<file path=ppt/notesSlides/notesSlide3.xml><?xml version="1.0" encoding="utf-8"?>
+<p:notes xmlns:a="http://schemas.openxmlformats.org/drawingml/2006/main" xmlns:r="http://schemas.openxmlformats.org/officeDocument/2006/relationships" xmlns:p="http://schemas.openxmlformats.org/presentationml/2006/main">
+  <p:cSld>
+    <p:spTree>
+      <p:nvGrpSpPr>
+        <p:cNvPr id="1" name=""/>
+        <p:cNvGrpSpPr/>
+        <p:nvPr/>
+      </p:nvGrpSpPr>
+      <p:grpSpPr>
+        <a:xfrm>
+          <a:off x="0" y="0"/>
+          <a:ext cx="0" cy="0"/>
+          <a:chOff x="0" y="0"/>
+          <a:chExt cx="0" cy="0"/>
+        </a:xfrm>
+      </p:grpSpPr>
+      <p:sp>
+        <p:nvSpPr>
+          <p:cNvPr id="2" name="スライド イメージ プレースホルダー 1"/>
+          <p:cNvSpPr>
+            <a:spLocks noGrp="1" noRot="1" noChangeAspect="1"/>
+          </p:cNvSpPr>
+          <p:nvPr>
+            <p:ph type="sldImg"/>
+          </p:nvPr>
+        </p:nvSpPr>
+        <p:spPr/>
+      </p:sp>
+      <p:sp>
+        <p:nvSpPr>
+          <p:cNvPr id="3" name="ノート プレースホルダー 2"/>
+          <p:cNvSpPr>
+            <a:spLocks noGrp="1"/>
+          </p:cNvSpPr>
+          <p:nvPr>
+            <p:ph type="body" idx="1"/>
+          </p:nvPr>
+        </p:nvSpPr>
+        <p:spPr/>
+        <p:txBody>
+          <a:bodyPr/>
+          <a:lstStyle/>
+          <a:p>
+            <a:r>
+              <a:rPr lang="en-US" altLang="ja-JP" b="1" dirty="0"/>
+              <a:t>L2</a:t>
+            </a:r>
+            <a:r>
+              <a:rPr lang="ja-JP" altLang="en-US" b="1" dirty="0"/>
+              <a:t>ロス（</a:t>
+            </a:r>
+            <a:r>
+              <a:rPr lang="en-US" altLang="ja-JP" b="1" dirty="0"/>
+              <a:t>MSE</a:t>
+            </a:r>
+            <a:r>
+              <a:rPr lang="ja-JP" altLang="en-US" b="1" dirty="0"/>
+              <a:t>）</a:t>
+            </a:r>
+            <a:r>
+              <a:rPr lang="ja-JP" altLang="en-US" dirty="0"/>
+              <a:t>：誤差が大きいと急激にロスが増加 → 外れ値に弱い</a:t>
+            </a:r>
+          </a:p>
+          <a:p>
+            <a:r>
+              <a:rPr lang="en-US" altLang="ja-JP" b="1" dirty="0"/>
+              <a:t>L1</a:t>
+            </a:r>
+            <a:r>
+              <a:rPr lang="ja-JP" altLang="en-US" b="1" dirty="0"/>
+              <a:t>ロス</a:t>
+            </a:r>
+            <a:r>
+              <a:rPr lang="ja-JP" altLang="en-US" dirty="0"/>
+              <a:t>：外れ値に強いが、導関数が一定で勾配が荒く学習が不安定</a:t>
+            </a:r>
+          </a:p>
+          <a:p>
+            <a:r>
+              <a:rPr lang="en-US" altLang="ja-JP" b="1" dirty="0"/>
+              <a:t>SmoothL1</a:t>
+            </a:r>
+            <a:r>
+              <a:rPr lang="ja-JP" altLang="en-US" dirty="0"/>
+              <a:t>：両者のメリットを取り入れて、学習の安定性と外れ値への頑健性を両立</a:t>
+            </a:r>
+            <a:endParaRPr lang="en-US" altLang="ja-JP" dirty="0"/>
+          </a:p>
+          <a:p>
+            <a:endParaRPr lang="en-US" altLang="ja-JP" dirty="0"/>
+          </a:p>
+          <a:p>
+            <a:r>
+              <a:rPr lang="ja-JP" altLang="en-US" b="1" dirty="0"/>
+              <a:t>クラスの不均衡が大きい分類タスク</a:t>
+            </a:r>
+            <a:r>
+              <a:rPr lang="ja-JP" altLang="en-US" dirty="0"/>
+              <a:t> で使われる損失関数で、</a:t>
+            </a:r>
+            <a:r>
+              <a:rPr lang="ja-JP" altLang="en-US" b="1" dirty="0"/>
+              <a:t>難しいサンプル（分類しづらいサンプル）に焦点を当てる</a:t>
+            </a:r>
+            <a:r>
+              <a:rPr lang="ja-JP" altLang="en-US" dirty="0"/>
+              <a:t>ように設計されています。</a:t>
+            </a:r>
+          </a:p>
+          <a:p>
+            <a:endParaRPr kumimoji="1" lang="ja-JP" altLang="en-US" dirty="0"/>
+          </a:p>
+        </p:txBody>
+      </p:sp>
+      <p:sp>
+        <p:nvSpPr>
+          <p:cNvPr id="4" name="スライド番号プレースホルダー 3"/>
+          <p:cNvSpPr>
+            <a:spLocks noGrp="1"/>
+          </p:cNvSpPr>
+          <p:nvPr>
+            <p:ph type="sldNum" sz="quarter" idx="5"/>
+          </p:nvPr>
+        </p:nvSpPr>
+        <p:spPr/>
+        <p:txBody>
+          <a:bodyPr/>
+          <a:lstStyle/>
+          <a:p>
+            <a:fld id="{A3CF1DC1-2138-4ECB-955E-76819738E57B}" type="slidenum">
+              <a:rPr kumimoji="1" lang="ja-JP" altLang="en-US" smtClean="0"/>
+              <a:t>4</a:t>
+            </a:fld>
+            <a:endParaRPr kumimoji="1" lang="ja-JP" altLang="en-US"/>
+          </a:p>
+        </p:txBody>
+      </p:sp>
+    </p:spTree>
+    <p:extLst>
+      <p:ext uri="{BB962C8B-B14F-4D97-AF65-F5344CB8AC3E}">
+        <p14:creationId xmlns:p14="http://schemas.microsoft.com/office/powerpoint/2010/main" val="2780846003"/>
       </p:ext>
     </p:extLst>
   </p:cSld>
@@ -3457,14 +3610,7 @@
           <a:p>
             <a:r>
               <a:rPr lang="ja-JP" altLang="en-US" dirty="0"/>
-              <a:t>高精度ミリ波レーダを用いた</a:t>
-            </a:r>
-            <a:br>
-              <a:rPr lang="en-US" altLang="ja-JP" dirty="0"/>
-            </a:br>
-            <a:r>
-              <a:rPr lang="ja-JP" altLang="en-US" dirty="0"/>
-              <a:t>自車位置推定</a:t>
+              <a:t>疑似ラベルを用いた自動運転のための遠赤外線画像からの物体検出</a:t>
             </a:r>
           </a:p>
         </p:txBody>
@@ -3496,7 +3642,7 @@
           <a:p>
             <a:r>
               <a:rPr lang="ja-JP" altLang="en-US" dirty="0"/>
-              <a:t>上田 蒼太</a:t>
+              <a:t>加藤 達也</a:t>
             </a:r>
           </a:p>
         </p:txBody>
@@ -3578,19 +3724,14 @@
             <a:pPr lvl="1"/>
             <a:r>
               <a:rPr lang="ja-JP" altLang="en-US" dirty="0"/>
-              <a:t>自動運転において自車位置推定は他のあらゆるタスクを実行するために必要</a:t>
+              <a:t>完全自動運転の実用化に向けて技術の開発が進められており、その為に車載カメラ画像からの物体検出は重要な要素技術である。可視光画像からの物体検出は天候や時間帯によって精度が低下するので、その解決策として遠赤外線からの物体検出手法を考える。</a:t>
             </a:r>
             <a:endParaRPr lang="en-US" altLang="ja-JP" dirty="0"/>
           </a:p>
           <a:p>
-            <a:pPr lvl="2"/>
-            <a:r>
-              <a:rPr lang="en-US" altLang="ja-JP" dirty="0" err="1"/>
-              <a:t>経路計画</a:t>
-            </a:r>
             <a:r>
               <a:rPr lang="ja-JP" altLang="en-US" dirty="0"/>
-              <a:t>・認識など</a:t>
+              <a:t>課題</a:t>
             </a:r>
             <a:endParaRPr lang="en-US" altLang="ja-JP" dirty="0"/>
           </a:p>
@@ -3598,38 +3739,7 @@
             <a:pPr lvl="1"/>
             <a:r>
               <a:rPr lang="ja-JP" altLang="en-US" dirty="0"/>
-              <a:t>可視光画像や</a:t>
-            </a:r>
-            <a:r>
-              <a:rPr lang="en-US" altLang="ja-JP" dirty="0"/>
-              <a:t>LiDAR</a:t>
-            </a:r>
-            <a:r>
-              <a:rPr lang="ja-JP" altLang="en-US" dirty="0"/>
-              <a:t>を用いた自車位置推定は環境の影響を受けやすい</a:t>
-            </a:r>
-            <a:endParaRPr lang="en-US" altLang="ja-JP" dirty="0"/>
-          </a:p>
-          <a:p>
-            <a:pPr lvl="2"/>
-            <a:r>
-              <a:rPr lang="ja-JP" altLang="en-US" dirty="0"/>
-              <a:t>雨や雪が降ると反射してしまうため</a:t>
-            </a:r>
-            <a:endParaRPr lang="en-US" altLang="ja-JP" dirty="0"/>
-          </a:p>
-          <a:p>
-            <a:r>
-              <a:rPr lang="ja-JP" altLang="en-US" dirty="0"/>
-              <a:t>目的</a:t>
-            </a:r>
-            <a:endParaRPr lang="en-US" altLang="ja-JP" dirty="0"/>
-          </a:p>
-          <a:p>
-            <a:pPr lvl="1"/>
-            <a:r>
-              <a:rPr lang="ja-JP" altLang="en-US" dirty="0"/>
-              <a:t>環境の影響を受けにくいミリ波レーダを用いた自車位置推定をする</a:t>
+              <a:t>遠赤外画像のデータセットは可視光画像のデータセットと比較して数が少ない。</a:t>
             </a:r>
             <a:endParaRPr lang="en-US" altLang="ja-JP" dirty="0"/>
           </a:p>
@@ -3691,184 +3801,116 @@
       </p:grpSpPr>
       <p:sp>
         <p:nvSpPr>
-          <p:cNvPr id="2" name="タイトル 1"/>
-          <p:cNvSpPr>
-            <a:spLocks noGrp="1"/>
-          </p:cNvSpPr>
-          <p:nvPr>
-            <p:ph type="title"/>
-          </p:nvPr>
-        </p:nvSpPr>
-        <p:spPr/>
-        <p:txBody>
-          <a:bodyPr/>
-          <a:lstStyle/>
-          <a:p>
-            <a:r>
-              <a:rPr lang="ja-JP" altLang="en-US" dirty="0"/>
-              <a:t>進捗</a:t>
-            </a:r>
-          </a:p>
-        </p:txBody>
-      </p:sp>
-      <p:sp>
-        <p:nvSpPr>
-          <p:cNvPr id="3" name="コンテンツ プレースホルダー 2"/>
-          <p:cNvSpPr>
-            <a:spLocks noGrp="1"/>
-          </p:cNvSpPr>
-          <p:nvPr>
-            <p:ph idx="1"/>
-          </p:nvPr>
-        </p:nvSpPr>
-        <p:spPr/>
-        <p:txBody>
-          <a:bodyPr/>
-          <a:lstStyle/>
-          <a:p>
-            <a:r>
-              <a:rPr lang="en-US" altLang="ja-JP" dirty="0"/>
-              <a:t>RADIATE</a:t>
-            </a:r>
-            <a:r>
-              <a:rPr lang="ja-JP" altLang="en-US" dirty="0"/>
-              <a:t>データセットを</a:t>
-            </a:r>
-            <a:r>
-              <a:rPr lang="en-US" altLang="ja-JP" dirty="0"/>
-              <a:t>ROSBAG2</a:t>
-            </a:r>
-            <a:r>
-              <a:rPr lang="ja-JP" altLang="en-US" dirty="0"/>
-              <a:t>形式に変換</a:t>
-            </a:r>
-            <a:endParaRPr lang="en-US" altLang="ja-JP" dirty="0"/>
-          </a:p>
-          <a:p>
-            <a:pPr lvl="1"/>
-            <a:r>
-              <a:rPr lang="en-US" altLang="ja-JP" dirty="0"/>
-              <a:t>ROS2</a:t>
-            </a:r>
-            <a:r>
-              <a:rPr lang="ja-JP" altLang="en-US" dirty="0"/>
-              <a:t>でセンサからの情報を再現</a:t>
-            </a:r>
-            <a:endParaRPr lang="en-US" altLang="ja-JP" dirty="0"/>
-          </a:p>
-        </p:txBody>
-      </p:sp>
-      <p:sp>
-        <p:nvSpPr>
-          <p:cNvPr id="4" name="スライド番号プレースホルダー 3"/>
-          <p:cNvSpPr>
-            <a:spLocks noGrp="1"/>
-          </p:cNvSpPr>
-          <p:nvPr>
-            <p:ph type="sldNum" sz="quarter" idx="10"/>
-          </p:nvPr>
-        </p:nvSpPr>
-        <p:spPr/>
-        <p:txBody>
-          <a:bodyPr/>
-          <a:lstStyle/>
-          <a:p>
-            <a:fld id="{B0F4C665-907E-415A-A241-2277397CE92C}" type="slidenum">
-              <a:rPr lang="ja-JP" altLang="en-US" smtClean="0"/>
-              <a:pPr/>
-              <a:t>3</a:t>
-            </a:fld>
-            <a:endParaRPr lang="ja-JP" altLang="en-US" dirty="0"/>
-          </a:p>
-        </p:txBody>
-      </p:sp>
-      <p:pic>
-        <p:nvPicPr>
-          <p:cNvPr id="6" name="図 5">
+          <p:cNvPr id="2" name="タイトル 1">
             <a:extLst>
               <a:ext uri="{FF2B5EF4-FFF2-40B4-BE49-F238E27FC236}">
-                <a16:creationId xmlns:a16="http://schemas.microsoft.com/office/drawing/2014/main" id="{DB0DF443-396C-45E2-B707-93EBF5D986F1}"/>
+                <a16:creationId xmlns:a16="http://schemas.microsoft.com/office/drawing/2014/main" id="{9A5962EC-C4CB-5E32-D7CE-E551FCFA1982}"/>
               </a:ext>
             </a:extLst>
           </p:cNvPr>
-          <p:cNvPicPr>
-            <a:picLocks noChangeAspect="1"/>
-          </p:cNvPicPr>
-          <p:nvPr/>
-        </p:nvPicPr>
-        <p:blipFill>
-          <a:blip r:embed="rId2"/>
-          <a:stretch>
-            <a:fillRect/>
-          </a:stretch>
-        </p:blipFill>
-        <p:spPr>
-          <a:xfrm>
-            <a:off x="984251" y="2563812"/>
-            <a:ext cx="6375400" cy="3567188"/>
-          </a:xfrm>
-          <a:prstGeom prst="rect">
-            <a:avLst/>
-          </a:prstGeom>
-        </p:spPr>
-      </p:pic>
-      <p:pic>
-        <p:nvPicPr>
-          <p:cNvPr id="7" name="コンテンツ プレースホルダー 5">
+          <p:cNvSpPr>
+            <a:spLocks noGrp="1"/>
+          </p:cNvSpPr>
+          <p:nvPr>
+            <p:ph type="title"/>
+          </p:nvPr>
+        </p:nvSpPr>
+        <p:spPr/>
+        <p:txBody>
+          <a:bodyPr/>
+          <a:lstStyle/>
+          <a:p>
+            <a:r>
+              <a:rPr kumimoji="1" lang="ja-JP" altLang="en-US" dirty="0"/>
+              <a:t>背景・目的</a:t>
+            </a:r>
+          </a:p>
+        </p:txBody>
+      </p:sp>
+      <p:sp>
+        <p:nvSpPr>
+          <p:cNvPr id="3" name="コンテンツ プレースホルダー 2">
             <a:extLst>
               <a:ext uri="{FF2B5EF4-FFF2-40B4-BE49-F238E27FC236}">
-                <a16:creationId xmlns:a16="http://schemas.microsoft.com/office/drawing/2014/main" id="{16238C4F-BAFA-4033-BD19-877859DD2BB6}"/>
+                <a16:creationId xmlns:a16="http://schemas.microsoft.com/office/drawing/2014/main" id="{1D1D7FA2-4DE9-86ED-2E63-C1A06F1F6384}"/>
               </a:ext>
             </a:extLst>
           </p:cNvPr>
-          <p:cNvPicPr>
-            <a:picLocks noChangeAspect="1"/>
-          </p:cNvPicPr>
-          <p:nvPr/>
-        </p:nvPicPr>
-        <p:blipFill>
-          <a:blip r:embed="rId3"/>
-          <a:stretch>
-            <a:fillRect/>
-          </a:stretch>
-        </p:blipFill>
-        <p:spPr bwMode="auto">
-          <a:xfrm>
-            <a:off x="7645399" y="2563812"/>
-            <a:ext cx="3562350" cy="3562350"/>
-          </a:xfrm>
-          <a:prstGeom prst="rect">
-            <a:avLst/>
-          </a:prstGeom>
-          <a:noFill/>
-          <a:ln>
-            <a:noFill/>
-          </a:ln>
-          <a:extLst>
-            <a:ext uri="{909E8E84-426E-40DD-AFC4-6F175D3DCCD1}">
-              <a14:hiddenFill xmlns:a14="http://schemas.microsoft.com/office/drawing/2010/main">
-                <a:solidFill>
-                  <a:srgbClr val="FFFFFF"/>
-                </a:solidFill>
-              </a14:hiddenFill>
-            </a:ext>
-            <a:ext uri="{91240B29-F687-4F45-9708-019B960494DF}">
-              <a14:hiddenLine xmlns:a14="http://schemas.microsoft.com/office/drawing/2010/main" w="9525">
-                <a:solidFill>
-                  <a:srgbClr val="000000"/>
-                </a:solidFill>
-                <a:miter lim="800000"/>
-                <a:headEnd/>
-                <a:tailEnd/>
-              </a14:hiddenLine>
-            </a:ext>
-          </a:extLst>
-        </p:spPr>
-      </p:pic>
+          <p:cNvSpPr>
+            <a:spLocks noGrp="1"/>
+          </p:cNvSpPr>
+          <p:nvPr>
+            <p:ph idx="1"/>
+          </p:nvPr>
+        </p:nvSpPr>
+        <p:spPr/>
+        <p:txBody>
+          <a:bodyPr/>
+          <a:lstStyle/>
+          <a:p>
+            <a:r>
+              <a:rPr kumimoji="1" lang="ja-JP" altLang="en-US" dirty="0"/>
+              <a:t>目的</a:t>
+            </a:r>
+            <a:endParaRPr kumimoji="1" lang="en-US" altLang="ja-JP" dirty="0"/>
+          </a:p>
+          <a:p>
+            <a:pPr lvl="1"/>
+            <a:r>
+              <a:rPr lang="ja-JP" altLang="en-US" dirty="0"/>
+              <a:t>遠赤外線画像を入力として低照度下でも安定的に動作する検出モデルを構築する。また、</a:t>
+            </a:r>
+            <a:r>
+              <a:rPr lang="en-US" altLang="ja-JP" dirty="0"/>
+              <a:t>RGB </a:t>
+            </a:r>
+            <a:r>
+              <a:rPr lang="ja-JP" altLang="en-US" dirty="0"/>
+              <a:t>画像に適応 して得た検出領域を教師とするドメイン適応を用いて、遠赤外線領域における検出モデルを構築する。 </a:t>
+            </a:r>
+            <a:endParaRPr kumimoji="1" lang="ja-JP" altLang="en-US" dirty="0"/>
+          </a:p>
+        </p:txBody>
+      </p:sp>
+      <p:sp>
+        <p:nvSpPr>
+          <p:cNvPr id="4" name="スライド番号プレースホルダー 3">
+            <a:extLst>
+              <a:ext uri="{FF2B5EF4-FFF2-40B4-BE49-F238E27FC236}">
+                <a16:creationId xmlns:a16="http://schemas.microsoft.com/office/drawing/2014/main" id="{476244FF-B9AA-CFBD-2A25-8326B7DE34D0}"/>
+              </a:ext>
+            </a:extLst>
+          </p:cNvPr>
+          <p:cNvSpPr>
+            <a:spLocks noGrp="1"/>
+          </p:cNvSpPr>
+          <p:nvPr>
+            <p:ph type="sldNum" sz="quarter" idx="10"/>
+          </p:nvPr>
+        </p:nvSpPr>
+        <p:spPr/>
+        <p:txBody>
+          <a:bodyPr/>
+          <a:lstStyle/>
+          <a:p>
+            <a:pPr>
+              <a:defRPr/>
+            </a:pPr>
+            <a:fld id="{B0F4C665-907E-415A-A241-2277397CE92C}" type="slidenum">
+              <a:rPr lang="en-US" altLang="ja-JP" smtClean="0"/>
+              <a:pPr>
+                <a:defRPr/>
+              </a:pPr>
+              <a:t>3</a:t>
+            </a:fld>
+            <a:endParaRPr lang="en-US" dirty="0"/>
+          </a:p>
+        </p:txBody>
+      </p:sp>
     </p:spTree>
     <p:extLst>
       <p:ext uri="{BB962C8B-B14F-4D97-AF65-F5344CB8AC3E}">
-        <p14:creationId xmlns:p14="http://schemas.microsoft.com/office/powerpoint/2010/main" val="3576141221"/>
+        <p14:creationId xmlns:p14="http://schemas.microsoft.com/office/powerpoint/2010/main" val="2838841170"/>
       </p:ext>
     </p:extLst>
   </p:cSld>
@@ -3933,56 +3975,56 @@
           <a:lstStyle/>
           <a:p>
             <a:r>
+              <a:rPr lang="ja-JP" altLang="en-US" dirty="0"/>
+              <a:t>損失関数のカスタマイズ</a:t>
+            </a:r>
+            <a:endParaRPr lang="en-US" altLang="ja-JP" dirty="0"/>
+          </a:p>
+          <a:p>
+            <a:pPr lvl="1"/>
+            <a:r>
+              <a:rPr lang="ja-JP" altLang="en-US" dirty="0"/>
+              <a:t>クラス分類とオブジェクト性</a:t>
+            </a:r>
+            <a:r>
               <a:rPr lang="en-US" altLang="ja-JP" dirty="0"/>
-              <a:t>LiDAR</a:t>
+              <a:t>:</a:t>
+            </a:r>
+            <a:r>
+              <a:rPr lang="en-US" altLang="ja-JP" dirty="0" err="1"/>
+              <a:t>CrossEntropyLoss</a:t>
             </a:r>
             <a:r>
               <a:rPr lang="ja-JP" altLang="en-US" dirty="0"/>
-              <a:t>データを</a:t>
+              <a:t>→</a:t>
+            </a:r>
+            <a:r>
+              <a:rPr lang="en-US" altLang="ja-JP" dirty="0" err="1"/>
+              <a:t>FocalLoss</a:t>
+            </a:r>
+            <a:endParaRPr lang="en-US" altLang="ja-JP" dirty="0"/>
+          </a:p>
+          <a:p>
+            <a:pPr lvl="1"/>
+            <a:r>
+              <a:rPr lang="ja-JP" altLang="en-US" dirty="0"/>
+              <a:t>バウンディングボックス回帰</a:t>
             </a:r>
             <a:r>
               <a:rPr lang="en-US" altLang="ja-JP" dirty="0"/>
-              <a:t>lidarslam_ros2</a:t>
+              <a:t>:</a:t>
+            </a:r>
+            <a:r>
+              <a:rPr lang="en-US" altLang="ja-JP" dirty="0" err="1"/>
+              <a:t>IoULoss</a:t>
             </a:r>
             <a:r>
               <a:rPr lang="ja-JP" altLang="en-US" dirty="0"/>
-              <a:t>を用いて</a:t>
+              <a:t>→</a:t>
             </a:r>
             <a:r>
               <a:rPr lang="en-US" altLang="ja-JP" dirty="0"/>
-              <a:t>SLAM</a:t>
-            </a:r>
-            <a:r>
-              <a:rPr lang="ja-JP" altLang="en-US" dirty="0"/>
-              <a:t>を実行</a:t>
-            </a:r>
-            <a:endParaRPr lang="en-US" altLang="ja-JP" dirty="0"/>
-          </a:p>
-          <a:p>
-            <a:pPr lvl="1"/>
-            <a:r>
-              <a:rPr lang="en-US" altLang="ja-JP" dirty="0"/>
-              <a:t>LiDAR</a:t>
-            </a:r>
-            <a:r>
-              <a:rPr lang="ja-JP" altLang="en-US" dirty="0"/>
-              <a:t>の</a:t>
-            </a:r>
-            <a:r>
-              <a:rPr lang="en-US" altLang="ja-JP" dirty="0" err="1"/>
-              <a:t>PointCloud</a:t>
-            </a:r>
-            <a:r>
-              <a:rPr lang="ja-JP" altLang="en-US" dirty="0"/>
-              <a:t>と車両の</a:t>
-            </a:r>
-            <a:r>
-              <a:rPr lang="en-US" altLang="ja-JP" dirty="0"/>
-              <a:t>Path</a:t>
-            </a:r>
-            <a:r>
-              <a:rPr lang="ja-JP" altLang="en-US" dirty="0"/>
-              <a:t>を取得</a:t>
+              <a:t>SmoothL1Loss</a:t>
             </a:r>
           </a:p>
         </p:txBody>
@@ -4011,70 +4053,219 @@
           </a:p>
         </p:txBody>
       </p:sp>
-      <p:pic>
-        <p:nvPicPr>
-          <p:cNvPr id="6" name="図 5">
+      <p:grpSp>
+        <p:nvGrpSpPr>
+          <p:cNvPr id="11" name="グループ化 10">
             <a:extLst>
               <a:ext uri="{FF2B5EF4-FFF2-40B4-BE49-F238E27FC236}">
-                <a16:creationId xmlns:a16="http://schemas.microsoft.com/office/drawing/2014/main" id="{C15113BD-FEAD-41EE-B29D-3DD33A980B64}"/>
+                <a16:creationId xmlns:a16="http://schemas.microsoft.com/office/drawing/2014/main" id="{43EBC93E-6850-4EB2-C1CC-0AA2107CA03D}"/>
               </a:ext>
             </a:extLst>
           </p:cNvPr>
-          <p:cNvPicPr>
-            <a:picLocks noChangeAspect="1"/>
-          </p:cNvPicPr>
+          <p:cNvGrpSpPr/>
           <p:nvPr/>
-        </p:nvPicPr>
-        <p:blipFill>
-          <a:blip r:embed="rId2"/>
-          <a:stretch>
-            <a:fillRect/>
-          </a:stretch>
-        </p:blipFill>
-        <p:spPr>
+        </p:nvGrpSpPr>
+        <p:grpSpPr>
           <a:xfrm>
-            <a:off x="987990" y="2884788"/>
-            <a:ext cx="4936560" cy="3241375"/>
+            <a:off x="1646997" y="3511848"/>
+            <a:ext cx="3788604" cy="2614315"/>
+            <a:chOff x="1071264" y="3547533"/>
+            <a:chExt cx="3788604" cy="2614315"/>
           </a:xfrm>
-          <a:prstGeom prst="rect">
-            <a:avLst/>
-          </a:prstGeom>
-        </p:spPr>
-      </p:pic>
-      <p:pic>
-        <p:nvPicPr>
-          <p:cNvPr id="7" name="図 6">
+        </p:grpSpPr>
+        <p:pic>
+          <p:nvPicPr>
+            <p:cNvPr id="8" name="図 7">
+              <a:extLst>
+                <a:ext uri="{FF2B5EF4-FFF2-40B4-BE49-F238E27FC236}">
+                  <a16:creationId xmlns:a16="http://schemas.microsoft.com/office/drawing/2014/main" id="{D3E0BBFB-9F05-162B-8588-21DEBE01159E}"/>
+                </a:ext>
+              </a:extLst>
+            </p:cNvPr>
+            <p:cNvPicPr>
+              <a:picLocks noChangeAspect="1"/>
+            </p:cNvPicPr>
+            <p:nvPr/>
+          </p:nvPicPr>
+          <p:blipFill>
+            <a:blip r:embed="rId3"/>
+            <a:stretch>
+              <a:fillRect/>
+            </a:stretch>
+          </p:blipFill>
+          <p:spPr>
+            <a:xfrm>
+              <a:off x="1071264" y="3547533"/>
+              <a:ext cx="3788604" cy="2244983"/>
+            </a:xfrm>
+            <a:prstGeom prst="rect">
+              <a:avLst/>
+            </a:prstGeom>
+          </p:spPr>
+        </p:pic>
+        <p:sp>
+          <p:nvSpPr>
+            <p:cNvPr id="9" name="テキスト ボックス 8">
+              <a:extLst>
+                <a:ext uri="{FF2B5EF4-FFF2-40B4-BE49-F238E27FC236}">
+                  <a16:creationId xmlns:a16="http://schemas.microsoft.com/office/drawing/2014/main" id="{579EF4B6-93FC-A959-A104-4E5DA4AD0ACD}"/>
+                </a:ext>
+              </a:extLst>
+            </p:cNvPr>
+            <p:cNvSpPr txBox="1"/>
+            <p:nvPr/>
+          </p:nvSpPr>
+          <p:spPr>
+            <a:xfrm>
+              <a:off x="1789603" y="5792516"/>
+              <a:ext cx="2351926" cy="369332"/>
+            </a:xfrm>
+            <a:prstGeom prst="rect">
+              <a:avLst/>
+            </a:prstGeom>
+            <a:noFill/>
+          </p:spPr>
+          <p:txBody>
+            <a:bodyPr wrap="none" rtlCol="0">
+              <a:spAutoFit/>
+            </a:bodyPr>
+            <a:lstStyle/>
+            <a:p>
+              <a:r>
+                <a:rPr kumimoji="1" lang="ja-JP" altLang="en-US" dirty="0">
+                  <a:latin typeface="+mj-lt"/>
+                </a:rPr>
+                <a:t>図</a:t>
+              </a:r>
+              <a:r>
+                <a:rPr kumimoji="1" lang="en-US" altLang="ja-JP" dirty="0">
+                  <a:latin typeface="+mj-lt"/>
+                </a:rPr>
+                <a:t>1 </a:t>
+              </a:r>
+              <a:r>
+                <a:rPr kumimoji="1" lang="en-US" altLang="ja-JP" dirty="0" err="1">
+                  <a:latin typeface="+mj-lt"/>
+                </a:rPr>
+                <a:t>FocalLoss</a:t>
+              </a:r>
+              <a:r>
+                <a:rPr kumimoji="1" lang="ja-JP" altLang="en-US" dirty="0">
+                  <a:latin typeface="+mj-lt"/>
+                </a:rPr>
+                <a:t>の概要</a:t>
+              </a:r>
+            </a:p>
+          </p:txBody>
+        </p:sp>
+      </p:grpSp>
+      <p:grpSp>
+        <p:nvGrpSpPr>
+          <p:cNvPr id="15" name="グループ化 14">
             <a:extLst>
               <a:ext uri="{FF2B5EF4-FFF2-40B4-BE49-F238E27FC236}">
-                <a16:creationId xmlns:a16="http://schemas.microsoft.com/office/drawing/2014/main" id="{25C11128-125D-44B1-A3C8-F52F9435C3DB}"/>
+                <a16:creationId xmlns:a16="http://schemas.microsoft.com/office/drawing/2014/main" id="{35A92F56-208F-117D-D65E-BDCE3263D535}"/>
               </a:ext>
             </a:extLst>
           </p:cNvPr>
-          <p:cNvPicPr>
-            <a:picLocks noChangeAspect="1"/>
-          </p:cNvPicPr>
+          <p:cNvGrpSpPr/>
           <p:nvPr/>
-        </p:nvPicPr>
-        <p:blipFill>
-          <a:blip r:embed="rId3"/>
-          <a:stretch>
-            <a:fillRect/>
-          </a:stretch>
-        </p:blipFill>
-        <p:spPr>
+        </p:nvGrpSpPr>
+        <p:grpSpPr>
           <a:xfrm>
-            <a:off x="6362700" y="2891365"/>
-            <a:ext cx="4841310" cy="3234132"/>
+            <a:off x="7317979" y="3509654"/>
+            <a:ext cx="3002530" cy="2616509"/>
+            <a:chOff x="7317979" y="3509654"/>
+            <a:chExt cx="3002530" cy="2616509"/>
           </a:xfrm>
-          <a:prstGeom prst="rect">
-            <a:avLst/>
-          </a:prstGeom>
-        </p:spPr>
-      </p:pic>
+        </p:grpSpPr>
+        <p:pic>
+          <p:nvPicPr>
+            <p:cNvPr id="13" name="図 12">
+              <a:extLst>
+                <a:ext uri="{FF2B5EF4-FFF2-40B4-BE49-F238E27FC236}">
+                  <a16:creationId xmlns:a16="http://schemas.microsoft.com/office/drawing/2014/main" id="{A40FED27-8EFE-97F7-B979-D806EF8BB349}"/>
+                </a:ext>
+              </a:extLst>
+            </p:cNvPr>
+            <p:cNvPicPr>
+              <a:picLocks noChangeAspect="1"/>
+            </p:cNvPicPr>
+            <p:nvPr/>
+          </p:nvPicPr>
+          <p:blipFill>
+            <a:blip r:embed="rId4"/>
+            <a:stretch>
+              <a:fillRect/>
+            </a:stretch>
+          </p:blipFill>
+          <p:spPr>
+            <a:xfrm>
+              <a:off x="7317979" y="3509654"/>
+              <a:ext cx="3002530" cy="2247177"/>
+            </a:xfrm>
+            <a:prstGeom prst="rect">
+              <a:avLst/>
+            </a:prstGeom>
+          </p:spPr>
+        </p:pic>
+        <p:sp>
+          <p:nvSpPr>
+            <p:cNvPr id="14" name="テキスト ボックス 13">
+              <a:extLst>
+                <a:ext uri="{FF2B5EF4-FFF2-40B4-BE49-F238E27FC236}">
+                  <a16:creationId xmlns:a16="http://schemas.microsoft.com/office/drawing/2014/main" id="{A7BB25C8-1AEE-071E-B092-28A03D41279F}"/>
+                </a:ext>
+              </a:extLst>
+            </p:cNvPr>
+            <p:cNvSpPr txBox="1"/>
+            <p:nvPr/>
+          </p:nvSpPr>
+          <p:spPr>
+            <a:xfrm>
+              <a:off x="7399625" y="5756831"/>
+              <a:ext cx="2839239" cy="369332"/>
+            </a:xfrm>
+            <a:prstGeom prst="rect">
+              <a:avLst/>
+            </a:prstGeom>
+            <a:noFill/>
+          </p:spPr>
+          <p:txBody>
+            <a:bodyPr wrap="none" rtlCol="0">
+              <a:spAutoFit/>
+            </a:bodyPr>
+            <a:lstStyle/>
+            <a:p>
+              <a:r>
+                <a:rPr kumimoji="1" lang="ja-JP" altLang="en-US" dirty="0">
+                  <a:latin typeface="+mj-lt"/>
+                </a:rPr>
+                <a:t>図</a:t>
+              </a:r>
+              <a:r>
+                <a:rPr lang="en-US" altLang="ja-JP" dirty="0">
+                  <a:latin typeface="+mj-lt"/>
+                </a:rPr>
+                <a:t>2 SmoothL1Loss</a:t>
+              </a:r>
+              <a:r>
+                <a:rPr lang="ja-JP" altLang="en-US" dirty="0">
+                  <a:latin typeface="+mj-lt"/>
+                </a:rPr>
+                <a:t>の概要</a:t>
+              </a:r>
+              <a:endParaRPr kumimoji="1" lang="ja-JP" altLang="en-US" dirty="0">
+                <a:latin typeface="+mj-lt"/>
+              </a:endParaRPr>
+            </a:p>
+          </p:txBody>
+        </p:sp>
+      </p:grpSp>
     </p:spTree>
     <p:extLst>
       <p:ext uri="{BB962C8B-B14F-4D97-AF65-F5344CB8AC3E}">
-        <p14:creationId xmlns:p14="http://schemas.microsoft.com/office/powerpoint/2010/main" val="1260382558"/>
+        <p14:creationId xmlns:p14="http://schemas.microsoft.com/office/powerpoint/2010/main" val="3576141221"/>
       </p:ext>
     </p:extLst>
   </p:cSld>
@@ -4139,34 +4330,9 @@
           <a:lstStyle/>
           <a:p>
             <a:r>
-              <a:rPr lang="en-US" altLang="ja-JP" dirty="0"/>
-              <a:t>SLAM</a:t>
-            </a:r>
-            <a:r>
               <a:rPr lang="ja-JP" altLang="en-US" dirty="0"/>
-              <a:t>で取得した</a:t>
-            </a:r>
-            <a:r>
-              <a:rPr lang="en-US" altLang="ja-JP" dirty="0"/>
-              <a:t>Path</a:t>
-            </a:r>
-            <a:r>
-              <a:rPr lang="ja-JP" altLang="en-US" dirty="0"/>
-              <a:t>をもとにミリ波のマップを作成</a:t>
-            </a:r>
-            <a:endParaRPr lang="en-US" altLang="ja-JP" dirty="0"/>
-          </a:p>
-          <a:p>
-            <a:pPr lvl="1"/>
-            <a:r>
-              <a:rPr lang="en-US" altLang="ja-JP" dirty="0" err="1"/>
-              <a:t>PointCloud</a:t>
-            </a:r>
-            <a:r>
-              <a:rPr lang="ja-JP" altLang="en-US" dirty="0"/>
-              <a:t>形式で作成</a:t>
-            </a:r>
-            <a:endParaRPr lang="en-US" altLang="ja-JP" dirty="0"/>
+              <a:t>損失関数、学習率を変更し、それ以外の実験環境はほぼ変わらない状態で、谷本先輩の修士論文内の提案手法の結果と比較。</a:t>
+            </a:r>
           </a:p>
         </p:txBody>
       </p:sp>
@@ -4196,10 +4362,10 @@
       </p:sp>
       <p:pic>
         <p:nvPicPr>
-          <p:cNvPr id="7" name="図 6">
+          <p:cNvPr id="8" name="図 7">
             <a:extLst>
               <a:ext uri="{FF2B5EF4-FFF2-40B4-BE49-F238E27FC236}">
-                <a16:creationId xmlns:a16="http://schemas.microsoft.com/office/drawing/2014/main" id="{6139B8AF-8BC3-4EBA-9CCB-9787FCDC5895}"/>
+                <a16:creationId xmlns:a16="http://schemas.microsoft.com/office/drawing/2014/main" id="{4832122F-9933-976B-8461-3FDEF45EC81B}"/>
               </a:ext>
             </a:extLst>
           </p:cNvPr>
@@ -4216,8 +4382,8 @@
         </p:blipFill>
         <p:spPr>
           <a:xfrm>
-            <a:off x="3434869" y="2596395"/>
-            <a:ext cx="5322261" cy="3529768"/>
+            <a:off x="2658753" y="3289074"/>
+            <a:ext cx="6874493" cy="3067277"/>
           </a:xfrm>
           <a:prstGeom prst="rect">
             <a:avLst/>
@@ -4227,7 +4393,7 @@
     </p:spTree>
     <p:extLst>
       <p:ext uri="{BB962C8B-B14F-4D97-AF65-F5344CB8AC3E}">
-        <p14:creationId xmlns:p14="http://schemas.microsoft.com/office/powerpoint/2010/main" val="1899587774"/>
+        <p14:creationId xmlns:p14="http://schemas.microsoft.com/office/powerpoint/2010/main" val="1260382558"/>
       </p:ext>
     </p:extLst>
   </p:cSld>
@@ -4271,7 +4437,7 @@
           <a:p>
             <a:r>
               <a:rPr lang="ja-JP" altLang="en-US" dirty="0"/>
-              <a:t>まとめ</a:t>
+              <a:t>進捗</a:t>
             </a:r>
           </a:p>
         </p:txBody>
@@ -4292,65 +4458,17 @@
           <a:lstStyle/>
           <a:p>
             <a:r>
-              <a:rPr lang="en-US" altLang="ja-JP" dirty="0"/>
-              <a:t>ROSBAG</a:t>
-            </a:r>
-            <a:r>
               <a:rPr lang="ja-JP" altLang="en-US" dirty="0"/>
-              <a:t>データを作成</a:t>
+              <a:t>学習率は繰り返し実験して自分の環境に合った学習率を模索する必要がある。</a:t>
             </a:r>
             <a:endParaRPr lang="en-US" altLang="ja-JP" dirty="0"/>
           </a:p>
           <a:p>
             <a:r>
-              <a:rPr lang="en-US" altLang="ja-JP" dirty="0"/>
-              <a:t>LiDAR</a:t>
-            </a:r>
-            <a:r>
               <a:rPr lang="ja-JP" altLang="en-US" dirty="0"/>
-              <a:t>データを用いて</a:t>
-            </a:r>
-            <a:r>
-              <a:rPr lang="en-US" altLang="ja-JP" dirty="0"/>
-              <a:t>SLAM</a:t>
-            </a:r>
-            <a:r>
-              <a:rPr lang="ja-JP" altLang="en-US" dirty="0"/>
-              <a:t>を実行</a:t>
+              <a:t>現在は既存の損失関数を使用しているが、実験の目的に沿った損失関数を自作する方が良い。</a:t>
             </a:r>
             <a:endParaRPr lang="en-US" altLang="ja-JP" dirty="0"/>
-          </a:p>
-          <a:p>
-            <a:r>
-              <a:rPr lang="ja-JP" altLang="en-US" dirty="0"/>
-              <a:t>取得した位置姿勢情報をもとにミリ波マップを作成</a:t>
-            </a:r>
-            <a:endParaRPr lang="en-US" altLang="ja-JP" dirty="0"/>
-          </a:p>
-          <a:p>
-            <a:endParaRPr lang="en-US" altLang="ja-JP" dirty="0"/>
-          </a:p>
-          <a:p>
-            <a:r>
-              <a:rPr lang="ja-JP" altLang="en-US" dirty="0"/>
-              <a:t>今後の課題</a:t>
-            </a:r>
-            <a:endParaRPr lang="en-US" altLang="ja-JP" dirty="0"/>
-          </a:p>
-          <a:p>
-            <a:pPr lvl="1"/>
-            <a:r>
-              <a:rPr lang="ja-JP" altLang="en-US" dirty="0"/>
-              <a:t>ミリ波マップの解像度を上げる</a:t>
-            </a:r>
-            <a:endParaRPr lang="en-US" altLang="ja-JP" dirty="0"/>
-          </a:p>
-          <a:p>
-            <a:pPr lvl="1"/>
-            <a:r>
-              <a:rPr lang="ja-JP" altLang="en-US" dirty="0"/>
-              <a:t>作成したマップとマッチングをする</a:t>
-            </a:r>
           </a:p>
         </p:txBody>
       </p:sp>
@@ -4373,6 +4491,145 @@
               <a:rPr lang="ja-JP" altLang="en-US" smtClean="0"/>
               <a:pPr/>
               <a:t>6</a:t>
+            </a:fld>
+            <a:endParaRPr lang="ja-JP" altLang="en-US" dirty="0"/>
+          </a:p>
+        </p:txBody>
+      </p:sp>
+    </p:spTree>
+    <p:extLst>
+      <p:ext uri="{BB962C8B-B14F-4D97-AF65-F5344CB8AC3E}">
+        <p14:creationId xmlns:p14="http://schemas.microsoft.com/office/powerpoint/2010/main" val="1899587774"/>
+      </p:ext>
+    </p:extLst>
+  </p:cSld>
+  <p:clrMapOvr>
+    <a:masterClrMapping/>
+  </p:clrMapOvr>
+</p:sld>
+</file>
+
+<file path=ppt/slides/slide7.xml><?xml version="1.0" encoding="utf-8"?>
+<p:sld xmlns:a="http://schemas.openxmlformats.org/drawingml/2006/main" xmlns:r="http://schemas.openxmlformats.org/officeDocument/2006/relationships" xmlns:p="http://schemas.openxmlformats.org/presentationml/2006/main">
+  <p:cSld>
+    <p:spTree>
+      <p:nvGrpSpPr>
+        <p:cNvPr id="1" name=""/>
+        <p:cNvGrpSpPr/>
+        <p:nvPr/>
+      </p:nvGrpSpPr>
+      <p:grpSpPr>
+        <a:xfrm>
+          <a:off x="0" y="0"/>
+          <a:ext cx="0" cy="0"/>
+          <a:chOff x="0" y="0"/>
+          <a:chExt cx="0" cy="0"/>
+        </a:xfrm>
+      </p:grpSpPr>
+      <p:sp>
+        <p:nvSpPr>
+          <p:cNvPr id="2" name="タイトル 1"/>
+          <p:cNvSpPr>
+            <a:spLocks noGrp="1"/>
+          </p:cNvSpPr>
+          <p:nvPr>
+            <p:ph type="title"/>
+          </p:nvPr>
+        </p:nvSpPr>
+        <p:spPr/>
+        <p:txBody>
+          <a:bodyPr/>
+          <a:lstStyle/>
+          <a:p>
+            <a:r>
+              <a:rPr lang="ja-JP" altLang="en-US" dirty="0"/>
+              <a:t>まとめ</a:t>
+            </a:r>
+          </a:p>
+        </p:txBody>
+      </p:sp>
+      <p:sp>
+        <p:nvSpPr>
+          <p:cNvPr id="3" name="コンテンツ プレースホルダー 2"/>
+          <p:cNvSpPr>
+            <a:spLocks noGrp="1"/>
+          </p:cNvSpPr>
+          <p:nvPr>
+            <p:ph idx="1"/>
+          </p:nvPr>
+        </p:nvSpPr>
+        <p:spPr/>
+        <p:txBody>
+          <a:bodyPr/>
+          <a:lstStyle/>
+          <a:p>
+            <a:r>
+              <a:rPr lang="ja-JP" altLang="en-US" dirty="0"/>
+              <a:t>環境構築を完了</a:t>
+            </a:r>
+            <a:endParaRPr lang="en-US" altLang="ja-JP" dirty="0"/>
+          </a:p>
+          <a:p>
+            <a:r>
+              <a:rPr lang="ja-JP" altLang="en-US" dirty="0"/>
+              <a:t>損失関数の変更、学習率の変更</a:t>
+            </a:r>
+            <a:endParaRPr lang="en-US" altLang="ja-JP" dirty="0"/>
+          </a:p>
+          <a:p>
+            <a:pPr marL="0" indent="0">
+              <a:buNone/>
+            </a:pPr>
+            <a:endParaRPr lang="en-US" altLang="ja-JP" dirty="0"/>
+          </a:p>
+          <a:p>
+            <a:r>
+              <a:rPr lang="ja-JP" altLang="en-US" dirty="0"/>
+              <a:t>今後の課題</a:t>
+            </a:r>
+            <a:endParaRPr lang="en-US" altLang="ja-JP" dirty="0"/>
+          </a:p>
+          <a:p>
+            <a:pPr lvl="1"/>
+            <a:r>
+              <a:rPr lang="en-US" altLang="ja-JP" dirty="0" err="1"/>
+              <a:t>FILR_dataset</a:t>
+            </a:r>
+            <a:r>
+              <a:rPr lang="ja-JP" altLang="en-US" dirty="0"/>
+              <a:t>のバージョンアップをする。</a:t>
+            </a:r>
+            <a:endParaRPr lang="en-US" altLang="ja-JP" dirty="0"/>
+          </a:p>
+          <a:p>
+            <a:pPr lvl="1"/>
+            <a:r>
+              <a:rPr lang="ja-JP" altLang="en-US"/>
+              <a:t>損失関数の自作、学習率の模索。</a:t>
+            </a:r>
+            <a:endParaRPr lang="en-US" altLang="ja-JP" dirty="0"/>
+          </a:p>
+        </p:txBody>
+      </p:sp>
+      <p:sp>
+        <p:nvSpPr>
+          <p:cNvPr id="4" name="スライド番号プレースホルダー 3"/>
+          <p:cNvSpPr>
+            <a:spLocks noGrp="1"/>
+          </p:cNvSpPr>
+          <p:nvPr>
+            <p:ph type="sldNum" sz="quarter" idx="10"/>
+          </p:nvPr>
+        </p:nvSpPr>
+        <p:spPr/>
+        <p:txBody>
+          <a:bodyPr/>
+          <a:lstStyle/>
+          <a:p>
+            <a:fld id="{B0F4C665-907E-415A-A241-2277397CE92C}" type="slidenum">
+              <a:rPr lang="ja-JP" altLang="en-US" smtClean="0"/>
+              <a:pPr/>
+              <a:t>7</a:t>
             </a:fld>
             <a:endParaRPr lang="ja-JP" altLang="en-US" dirty="0"/>
           </a:p>

--- a/高精度ミリ波レーダを用いた.pptx
+++ b/高精度ミリ波レーダを用いた.pptx
@@ -4362,10 +4362,10 @@
       </p:sp>
       <p:pic>
         <p:nvPicPr>
-          <p:cNvPr id="8" name="図 7">
+          <p:cNvPr id="10" name="図 9">
             <a:extLst>
               <a:ext uri="{FF2B5EF4-FFF2-40B4-BE49-F238E27FC236}">
-                <a16:creationId xmlns:a16="http://schemas.microsoft.com/office/drawing/2014/main" id="{4832122F-9933-976B-8461-3FDEF45EC81B}"/>
+                <a16:creationId xmlns:a16="http://schemas.microsoft.com/office/drawing/2014/main" id="{6659E5A6-69ED-6922-4368-3FDCF6694352}"/>
               </a:ext>
             </a:extLst>
           </p:cNvPr>
@@ -4382,8 +4382,8 @@
         </p:blipFill>
         <p:spPr>
           <a:xfrm>
-            <a:off x="2658753" y="3289074"/>
-            <a:ext cx="6874493" cy="3067277"/>
+            <a:off x="2587654" y="3429000"/>
+            <a:ext cx="7016691" cy="3057203"/>
           </a:xfrm>
           <a:prstGeom prst="rect">
             <a:avLst/>
@@ -4604,7 +4604,7 @@
           <a:p>
             <a:pPr lvl="1"/>
             <a:r>
-              <a:rPr lang="ja-JP" altLang="en-US"/>
+              <a:rPr lang="ja-JP" altLang="en-US" dirty="0"/>
               <a:t>損失関数の自作、学習率の模索。</a:t>
             </a:r>
             <a:endParaRPr lang="en-US" altLang="ja-JP" dirty="0"/>
